--- a/stellarios/Projects/Funding/Presentation1.pptx
+++ b/stellarios/Projects/Funding/Presentation1.pptx
@@ -104,6 +104,11 @@
       </a:defRPr>
     </a:lvl9pPr>
   </p:defaultTextStyle>
+  <p:extLst>
+    <p:ext uri="{EFAFB233-063F-42B5-8137-9DF3F51BA10A}">
+      <p15:sldGuideLst xmlns:p15="http://schemas.microsoft.com/office/powerpoint/2012/main"/>
+    </p:ext>
+  </p:extLst>
 </p:presentation>
 </file>
 
@@ -202,7 +207,7 @@
           <a:effectLst/>
           <a:extLst>
             <a:ext uri="{91240B29-F687-4f45-9708-019B960494DF}">
-              <a14:hiddenLine xmlns:a14="http://schemas.microsoft.com/office/drawing/2010/main" xmlns="" w="9525">
+              <a14:hiddenLine xmlns="" xmlns:a14="http://schemas.microsoft.com/office/drawing/2010/main" w="9525">
                 <a:solidFill>
                   <a:srgbClr val="000000"/>
                 </a:solidFill>
@@ -394,7 +399,7 @@
           <a:p>
             <a:fld id="{0E515803-F97F-4660-9646-CF3E7A002FC0}" type="datetimeFigureOut">
               <a:rPr lang="en-AU" smtClean="0"/>
-              <a:t>10/07/2019</a:t>
+              <a:t>15/07/2019</a:t>
             </a:fld>
             <a:endParaRPr lang="en-AU"/>
           </a:p>
@@ -712,7 +717,7 @@
           <a:p>
             <a:fld id="{0E515803-F97F-4660-9646-CF3E7A002FC0}" type="datetimeFigureOut">
               <a:rPr lang="en-AU" smtClean="0"/>
-              <a:t>10/07/2019</a:t>
+              <a:t>15/07/2019</a:t>
             </a:fld>
             <a:endParaRPr lang="en-AU"/>
           </a:p>
@@ -1200,7 +1205,7 @@
           <a:p>
             <a:fld id="{0E515803-F97F-4660-9646-CF3E7A002FC0}" type="datetimeFigureOut">
               <a:rPr lang="en-AU" smtClean="0"/>
-              <a:t>10/07/2019</a:t>
+              <a:t>15/07/2019</a:t>
             </a:fld>
             <a:endParaRPr lang="en-AU"/>
           </a:p>
@@ -1569,7 +1574,7 @@
           <a:p>
             <a:fld id="{0E515803-F97F-4660-9646-CF3E7A002FC0}" type="datetimeFigureOut">
               <a:rPr lang="en-AU" smtClean="0"/>
-              <a:t>10/07/2019</a:t>
+              <a:t>15/07/2019</a:t>
             </a:fld>
             <a:endParaRPr lang="en-AU"/>
           </a:p>
@@ -1724,7 +1729,7 @@
           <a:ln/>
           <a:extLst>
             <a:ext uri="{91240B29-F687-4f45-9708-019B960494DF}">
-              <a14:hiddenLine xmlns:a14="http://schemas.microsoft.com/office/drawing/2010/main" xmlns="" w="9525">
+              <a14:hiddenLine xmlns="" xmlns:a14="http://schemas.microsoft.com/office/drawing/2010/main" w="9525">
                 <a:solidFill>
                   <a:srgbClr val="000000"/>
                 </a:solidFill>
@@ -1842,7 +1847,7 @@
           <a:p>
             <a:fld id="{0E515803-F97F-4660-9646-CF3E7A002FC0}" type="datetimeFigureOut">
               <a:rPr lang="en-AU" smtClean="0"/>
-              <a:t>10/07/2019</a:t>
+              <a:t>15/07/2019</a:t>
             </a:fld>
             <a:endParaRPr lang="en-AU"/>
           </a:p>
@@ -1999,7 +2004,7 @@
           <a:ln/>
           <a:extLst>
             <a:ext uri="{91240B29-F687-4f45-9708-019B960494DF}">
-              <a14:hiddenLine xmlns:a14="http://schemas.microsoft.com/office/drawing/2010/main" xmlns="" w="9525">
+              <a14:hiddenLine xmlns="" xmlns:a14="http://schemas.microsoft.com/office/drawing/2010/main" w="9525">
                 <a:solidFill>
                   <a:srgbClr val="000000"/>
                 </a:solidFill>
@@ -2127,7 +2132,7 @@
           <a:p>
             <a:fld id="{0E515803-F97F-4660-9646-CF3E7A002FC0}" type="datetimeFigureOut">
               <a:rPr lang="en-AU" smtClean="0"/>
-              <a:t>10/07/2019</a:t>
+              <a:t>15/07/2019</a:t>
             </a:fld>
             <a:endParaRPr lang="en-AU"/>
           </a:p>
@@ -2282,7 +2287,7 @@
           <a:ln/>
           <a:extLst>
             <a:ext uri="{91240B29-F687-4f45-9708-019B960494DF}">
-              <a14:hiddenLine xmlns:a14="http://schemas.microsoft.com/office/drawing/2010/main" xmlns="" w="9525">
+              <a14:hiddenLine xmlns="" xmlns:a14="http://schemas.microsoft.com/office/drawing/2010/main" w="9525">
                 <a:solidFill>
                   <a:srgbClr val="000000"/>
                 </a:solidFill>
@@ -2410,7 +2415,7 @@
           <a:p>
             <a:fld id="{0E515803-F97F-4660-9646-CF3E7A002FC0}" type="datetimeFigureOut">
               <a:rPr lang="en-AU" smtClean="0"/>
-              <a:t>10/07/2019</a:t>
+              <a:t>15/07/2019</a:t>
             </a:fld>
             <a:endParaRPr lang="en-AU"/>
           </a:p>
@@ -2753,7 +2758,7 @@
           <a:p>
             <a:fld id="{0E515803-F97F-4660-9646-CF3E7A002FC0}" type="datetimeFigureOut">
               <a:rPr lang="en-AU" smtClean="0"/>
-              <a:t>10/07/2019</a:t>
+              <a:t>15/07/2019</a:t>
             </a:fld>
             <a:endParaRPr lang="en-AU"/>
           </a:p>
@@ -2908,7 +2913,7 @@
           <a:ln/>
           <a:extLst>
             <a:ext uri="{91240B29-F687-4f45-9708-019B960494DF}">
-              <a14:hiddenLine xmlns:a14="http://schemas.microsoft.com/office/drawing/2010/main" xmlns="" w="9525">
+              <a14:hiddenLine xmlns="" xmlns:a14="http://schemas.microsoft.com/office/drawing/2010/main" w="9525">
                 <a:solidFill>
                   <a:srgbClr val="000000"/>
                 </a:solidFill>
@@ -3092,7 +3097,7 @@
           <a:p>
             <a:fld id="{0E515803-F97F-4660-9646-CF3E7A002FC0}" type="datetimeFigureOut">
               <a:rPr lang="en-AU" smtClean="0"/>
-              <a:t>10/07/2019</a:t>
+              <a:t>15/07/2019</a:t>
             </a:fld>
             <a:endParaRPr lang="en-AU"/>
           </a:p>
@@ -3247,7 +3252,7 @@
           <a:ln/>
           <a:extLst>
             <a:ext uri="{91240B29-F687-4f45-9708-019B960494DF}">
-              <a14:hiddenLine xmlns:a14="http://schemas.microsoft.com/office/drawing/2010/main" xmlns="" w="9525">
+              <a14:hiddenLine xmlns="" xmlns:a14="http://schemas.microsoft.com/office/drawing/2010/main" w="9525">
                 <a:solidFill>
                   <a:srgbClr val="000000"/>
                 </a:solidFill>
@@ -3569,7 +3574,7 @@
           <a:p>
             <a:fld id="{0E515803-F97F-4660-9646-CF3E7A002FC0}" type="datetimeFigureOut">
               <a:rPr lang="en-AU" smtClean="0"/>
-              <a:t>10/07/2019</a:t>
+              <a:t>15/07/2019</a:t>
             </a:fld>
             <a:endParaRPr lang="en-AU"/>
           </a:p>
@@ -3724,7 +3729,7 @@
           <a:ln/>
           <a:extLst>
             <a:ext uri="{91240B29-F687-4f45-9708-019B960494DF}">
-              <a14:hiddenLine xmlns:a14="http://schemas.microsoft.com/office/drawing/2010/main" xmlns="" w="9525">
+              <a14:hiddenLine xmlns="" xmlns:a14="http://schemas.microsoft.com/office/drawing/2010/main" w="9525">
                 <a:solidFill>
                   <a:srgbClr val="000000"/>
                 </a:solidFill>
@@ -3790,7 +3795,7 @@
           <a:p>
             <a:fld id="{0E515803-F97F-4660-9646-CF3E7A002FC0}" type="datetimeFigureOut">
               <a:rPr lang="en-AU" smtClean="0"/>
-              <a:t>10/07/2019</a:t>
+              <a:t>15/07/2019</a:t>
             </a:fld>
             <a:endParaRPr lang="en-AU"/>
           </a:p>
@@ -3885,7 +3890,7 @@
           <a:p>
             <a:fld id="{0E515803-F97F-4660-9646-CF3E7A002FC0}" type="datetimeFigureOut">
               <a:rPr lang="en-AU" smtClean="0"/>
-              <a:t>10/07/2019</a:t>
+              <a:t>15/07/2019</a:t>
             </a:fld>
             <a:endParaRPr lang="en-AU"/>
           </a:p>
@@ -4153,7 +4158,7 @@
           <a:ln/>
           <a:extLst>
             <a:ext uri="{91240B29-F687-4f45-9708-019B960494DF}">
-              <a14:hiddenLine xmlns:a14="http://schemas.microsoft.com/office/drawing/2010/main" xmlns="" w="9525">
+              <a14:hiddenLine xmlns="" xmlns:a14="http://schemas.microsoft.com/office/drawing/2010/main" w="9525">
                 <a:solidFill>
                   <a:srgbClr val="000000"/>
                 </a:solidFill>
@@ -4352,7 +4357,7 @@
           <a:p>
             <a:fld id="{0E515803-F97F-4660-9646-CF3E7A002FC0}" type="datetimeFigureOut">
               <a:rPr lang="en-AU" smtClean="0"/>
-              <a:t>10/07/2019</a:t>
+              <a:t>15/07/2019</a:t>
             </a:fld>
             <a:endParaRPr lang="en-AU"/>
           </a:p>
@@ -4665,7 +4670,7 @@
           <a:p>
             <a:fld id="{0E515803-F97F-4660-9646-CF3E7A002FC0}" type="datetimeFigureOut">
               <a:rPr lang="en-AU" smtClean="0"/>
-              <a:t>10/07/2019</a:t>
+              <a:t>15/07/2019</a:t>
             </a:fld>
             <a:endParaRPr lang="en-AU"/>
           </a:p>
@@ -4935,7 +4940,7 @@
           <a:p>
             <a:fld id="{0E515803-F97F-4660-9646-CF3E7A002FC0}" type="datetimeFigureOut">
               <a:rPr lang="en-AU" smtClean="0"/>
-              <a:t>10/07/2019</a:t>
+              <a:t>15/07/2019</a:t>
             </a:fld>
             <a:endParaRPr lang="en-AU"/>
           </a:p>
@@ -5524,7 +5529,7 @@
         <p:spPr>
           <a:xfrm>
             <a:off x="1524001" y="206732"/>
-            <a:ext cx="9668786" cy="4770537"/>
+            <a:ext cx="9668786" cy="5262979"/>
           </a:xfrm>
           <a:prstGeom prst="rect">
             <a:avLst/>
@@ -5583,7 +5588,7 @@
                   </a:schemeClr>
                 </a:solidFill>
               </a:rPr>
-              <a:t>I’ve been building my droid for the past 2 years now. However, the man has created dumb rules to do with my grant provider, which leaves me out of money and with a half-completed droid. YOU can help me finish my droid, by donating parts. This droid is really important to me and I would be crushed if I didn’t finish it.</a:t>
+              <a:t>I’ve been building my droid for the past 2 years now. However, the man has created dumb rules to do with my grant provider, which leaves me out of money and with a half-completed droid. YOU can help me finish my droid, by donating parts. This droid is really important to me and I would be crushed if I didn’t finish it. </a:t>
             </a:r>
           </a:p>
           <a:p>
@@ -5608,8 +5613,53 @@
                   </a:schemeClr>
                 </a:solidFill>
               </a:rPr>
-              <a:t>The parts list is below</a:t>
-            </a:r>
+              <a:t>Basically I need the a type of Arduino called </a:t>
+            </a:r>
+            <a:r>
+              <a:rPr lang="en-AU" sz="1600" dirty="0" err="1">
+                <a:solidFill>
+                  <a:schemeClr val="accent1">
+                    <a:lumMod val="60000"/>
+                    <a:lumOff val="40000"/>
+                  </a:schemeClr>
+                </a:solidFill>
+              </a:rPr>
+              <a:t>MarcDuino</a:t>
+            </a:r>
+            <a:r>
+              <a:rPr lang="en-AU" sz="1600" dirty="0">
+                <a:solidFill>
+                  <a:schemeClr val="accent1">
+                    <a:lumMod val="60000"/>
+                    <a:lumOff val="40000"/>
+                  </a:schemeClr>
+                </a:solidFill>
+              </a:rPr>
+              <a:t>, wheels and wheel motors, lights, battery, and controller. To view the parts list, go to </a:t>
+            </a:r>
+          </a:p>
+          <a:p>
+            <a:pPr algn="just"/>
+            <a:r>
+              <a:rPr lang="en-AU" sz="1600" dirty="0">
+                <a:solidFill>
+                  <a:schemeClr val="accent1">
+                    <a:lumMod val="60000"/>
+                    <a:lumOff val="40000"/>
+                  </a:schemeClr>
+                </a:solidFill>
+                <a:hlinkClick r:id="rId4"/>
+              </a:rPr>
+              <a:t>http://acord.tech/partslist</a:t>
+            </a:r>
+            <a:endParaRPr lang="en-AU" sz="1600" dirty="0">
+              <a:solidFill>
+                <a:schemeClr val="accent1">
+                  <a:lumMod val="60000"/>
+                  <a:lumOff val="40000"/>
+                </a:schemeClr>
+              </a:solidFill>
+            </a:endParaRPr>
           </a:p>
           <a:p>
             <a:pPr algn="just"/>
@@ -5623,6 +5673,17 @@
             </a:endParaRPr>
           </a:p>
           <a:p>
+            <a:pPr algn="just"/>
+            <a:endParaRPr lang="en-AU" sz="1600" dirty="0">
+              <a:solidFill>
+                <a:schemeClr val="accent1">
+                  <a:lumMod val="60000"/>
+                  <a:lumOff val="40000"/>
+                </a:schemeClr>
+              </a:solidFill>
+            </a:endParaRPr>
+          </a:p>
+          <a:p>
             <a:pPr marL="285750" indent="-285750" algn="just">
               <a:buFontTx/>
               <a:buChar char="-"/>
@@ -5641,17 +5702,18 @@
           </a:p>
           <a:p>
             <a:pPr algn="just"/>
-            <a:endParaRPr lang="en-AU" sz="1600" dirty="0">
-              <a:solidFill>
-                <a:schemeClr val="accent1">
-                  <a:lumMod val="60000"/>
-                  <a:lumOff val="40000"/>
-                </a:schemeClr>
-              </a:solidFill>
-            </a:endParaRPr>
-          </a:p>
-          <a:p>
-            <a:pPr algn="just"/>
+            <a:r>
+              <a:rPr lang="en-AU" sz="1600" dirty="0">
+                <a:solidFill>
+                  <a:schemeClr val="accent1">
+                    <a:lumMod val="60000"/>
+                    <a:lumOff val="40000"/>
+                  </a:schemeClr>
+                </a:solidFill>
+                <a:hlinkClick r:id="rId5"/>
+              </a:rPr>
+              <a:t>Droidology@alllianceofdroids.org.au</a:t>
+            </a:r>
             <a:r>
               <a:rPr lang="en-AU" sz="1600" dirty="0">
                 <a:solidFill>
@@ -5661,7 +5723,7 @@
                   </a:schemeClr>
                 </a:solidFill>
               </a:rPr>
-              <a:t>P.S. F*** you NDIS</a:t>
+              <a:t>, +61 466 225 878</a:t>
             </a:r>
           </a:p>
         </p:txBody>
